--- a/eCommerce/Lectures/3rd Week Lecture.pptx
+++ b/eCommerce/Lectures/3rd Week Lecture.pptx
@@ -838,7 +838,7 @@
           <a:p>
             <a:fld id="{F92B177F-34A6-4B22-B4DE-0B5E1D1AE6C4}" type="datetimeFigureOut">
               <a:rPr lang="en-US" smtClean="0"/>
-              <a:t>3/17/2024</a:t>
+              <a:t>4/8/2024</a:t>
             </a:fld>
             <a:endParaRPr lang="en-US"/>
           </a:p>
@@ -1089,7 +1089,7 @@
           <a:p>
             <a:fld id="{F92B177F-34A6-4B22-B4DE-0B5E1D1AE6C4}" type="datetimeFigureOut">
               <a:rPr lang="en-US" smtClean="0"/>
-              <a:t>3/17/2024</a:t>
+              <a:t>4/8/2024</a:t>
             </a:fld>
             <a:endParaRPr lang="en-US"/>
           </a:p>
@@ -1403,7 +1403,7 @@
           <a:p>
             <a:fld id="{F92B177F-34A6-4B22-B4DE-0B5E1D1AE6C4}" type="datetimeFigureOut">
               <a:rPr lang="en-US" smtClean="0"/>
-              <a:t>3/17/2024</a:t>
+              <a:t>4/8/2024</a:t>
             </a:fld>
             <a:endParaRPr lang="en-US"/>
           </a:p>
@@ -1744,7 +1744,7 @@
           <a:p>
             <a:fld id="{F92B177F-34A6-4B22-B4DE-0B5E1D1AE6C4}" type="datetimeFigureOut">
               <a:rPr lang="en-US" smtClean="0"/>
-              <a:t>3/17/2024</a:t>
+              <a:t>4/8/2024</a:t>
             </a:fld>
             <a:endParaRPr lang="en-US"/>
           </a:p>
@@ -2058,7 +2058,7 @@
           <a:p>
             <a:fld id="{F92B177F-34A6-4B22-B4DE-0B5E1D1AE6C4}" type="datetimeFigureOut">
               <a:rPr lang="en-US" smtClean="0"/>
-              <a:t>3/17/2024</a:t>
+              <a:t>4/8/2024</a:t>
             </a:fld>
             <a:endParaRPr lang="en-US"/>
           </a:p>
@@ -2451,7 +2451,7 @@
           <a:p>
             <a:fld id="{F92B177F-34A6-4B22-B4DE-0B5E1D1AE6C4}" type="datetimeFigureOut">
               <a:rPr lang="en-US" smtClean="0"/>
-              <a:t>3/17/2024</a:t>
+              <a:t>4/8/2024</a:t>
             </a:fld>
             <a:endParaRPr lang="en-US"/>
           </a:p>
@@ -2621,7 +2621,7 @@
           <a:p>
             <a:fld id="{F92B177F-34A6-4B22-B4DE-0B5E1D1AE6C4}" type="datetimeFigureOut">
               <a:rPr lang="en-US" smtClean="0"/>
-              <a:t>3/17/2024</a:t>
+              <a:t>4/8/2024</a:t>
             </a:fld>
             <a:endParaRPr lang="en-US"/>
           </a:p>
@@ -2801,7 +2801,7 @@
           <a:p>
             <a:fld id="{F92B177F-34A6-4B22-B4DE-0B5E1D1AE6C4}" type="datetimeFigureOut">
               <a:rPr lang="en-US" smtClean="0"/>
-              <a:t>3/17/2024</a:t>
+              <a:t>4/8/2024</a:t>
             </a:fld>
             <a:endParaRPr lang="en-US"/>
           </a:p>
@@ -2977,7 +2977,7 @@
           <a:p>
             <a:fld id="{F92B177F-34A6-4B22-B4DE-0B5E1D1AE6C4}" type="datetimeFigureOut">
               <a:rPr lang="en-US" smtClean="0"/>
-              <a:t>3/17/2024</a:t>
+              <a:t>4/8/2024</a:t>
             </a:fld>
             <a:endParaRPr lang="en-US"/>
           </a:p>
@@ -3224,7 +3224,7 @@
           <a:p>
             <a:fld id="{F92B177F-34A6-4B22-B4DE-0B5E1D1AE6C4}" type="datetimeFigureOut">
               <a:rPr lang="en-US" smtClean="0"/>
-              <a:t>3/17/2024</a:t>
+              <a:t>4/8/2024</a:t>
             </a:fld>
             <a:endParaRPr lang="en-US"/>
           </a:p>
@@ -3456,7 +3456,7 @@
           <a:p>
             <a:fld id="{F92B177F-34A6-4B22-B4DE-0B5E1D1AE6C4}" type="datetimeFigureOut">
               <a:rPr lang="en-US" smtClean="0"/>
-              <a:t>3/17/2024</a:t>
+              <a:t>4/8/2024</a:t>
             </a:fld>
             <a:endParaRPr lang="en-US"/>
           </a:p>
@@ -3830,7 +3830,7 @@
           <a:p>
             <a:fld id="{F92B177F-34A6-4B22-B4DE-0B5E1D1AE6C4}" type="datetimeFigureOut">
               <a:rPr lang="en-US" smtClean="0"/>
-              <a:t>3/17/2024</a:t>
+              <a:t>4/8/2024</a:t>
             </a:fld>
             <a:endParaRPr lang="en-US"/>
           </a:p>
@@ -3953,7 +3953,7 @@
           <a:p>
             <a:fld id="{F92B177F-34A6-4B22-B4DE-0B5E1D1AE6C4}" type="datetimeFigureOut">
               <a:rPr lang="en-US" smtClean="0"/>
-              <a:t>3/17/2024</a:t>
+              <a:t>4/8/2024</a:t>
             </a:fld>
             <a:endParaRPr lang="en-US"/>
           </a:p>
@@ -4048,7 +4048,7 @@
           <a:p>
             <a:fld id="{F92B177F-34A6-4B22-B4DE-0B5E1D1AE6C4}" type="datetimeFigureOut">
               <a:rPr lang="en-US" smtClean="0"/>
-              <a:t>3/17/2024</a:t>
+              <a:t>4/8/2024</a:t>
             </a:fld>
             <a:endParaRPr lang="en-US"/>
           </a:p>
@@ -4303,7 +4303,7 @@
           <a:p>
             <a:fld id="{F92B177F-34A6-4B22-B4DE-0B5E1D1AE6C4}" type="datetimeFigureOut">
               <a:rPr lang="en-US" smtClean="0"/>
-              <a:t>3/17/2024</a:t>
+              <a:t>4/8/2024</a:t>
             </a:fld>
             <a:endParaRPr lang="en-US"/>
           </a:p>
@@ -4566,7 +4566,7 @@
           <a:p>
             <a:fld id="{F92B177F-34A6-4B22-B4DE-0B5E1D1AE6C4}" type="datetimeFigureOut">
               <a:rPr lang="en-US" smtClean="0"/>
-              <a:t>3/17/2024</a:t>
+              <a:t>4/8/2024</a:t>
             </a:fld>
             <a:endParaRPr lang="en-US"/>
           </a:p>
@@ -5309,7 +5309,7 @@
           <a:p>
             <a:fld id="{F92B177F-34A6-4B22-B4DE-0B5E1D1AE6C4}" type="datetimeFigureOut">
               <a:rPr lang="en-US" smtClean="0"/>
-              <a:t>3/17/2024</a:t>
+              <a:t>4/8/2024</a:t>
             </a:fld>
             <a:endParaRPr lang="en-US"/>
           </a:p>
@@ -6013,7 +6013,7 @@
               <a:rPr lang="en-US" sz="4000" b="1" dirty="0">
                 <a:latin typeface="Arial Black" panose="020B0A04020102020204" pitchFamily="34" charset="0"/>
               </a:rPr>
-              <a:t>Week #2</a:t>
+              <a:t>Week #3</a:t>
             </a:r>
           </a:p>
         </p:txBody>
@@ -6484,7 +6484,7 @@
               <a:rPr lang="en-US" sz="4000" b="1" dirty="0">
                 <a:latin typeface="Arial Black" panose="020B0A04020102020204" pitchFamily="34" charset="0"/>
               </a:rPr>
-              <a:t>Week #2</a:t>
+              <a:t>Week #3</a:t>
             </a:r>
           </a:p>
         </p:txBody>
@@ -6830,7 +6830,7 @@
               <a:rPr lang="en-US" sz="4000" b="1" dirty="0">
                 <a:latin typeface="Arial Black" panose="020B0A04020102020204" pitchFamily="34" charset="0"/>
               </a:rPr>
-              <a:t>Week #1</a:t>
+              <a:t>Week #3</a:t>
             </a:r>
           </a:p>
         </p:txBody>
@@ -7160,7 +7160,7 @@
               <a:rPr lang="en-US" sz="4000" b="1" dirty="0">
                 <a:latin typeface="Arial Black" panose="020B0A04020102020204" pitchFamily="34" charset="0"/>
               </a:rPr>
-              <a:t>Week #1</a:t>
+              <a:t>Week #3</a:t>
             </a:r>
           </a:p>
         </p:txBody>
@@ -7506,7 +7506,7 @@
               <a:rPr lang="en-US" sz="4000" b="1" dirty="0">
                 <a:latin typeface="Arial Black" panose="020B0A04020102020204" pitchFamily="34" charset="0"/>
               </a:rPr>
-              <a:t>Week #1</a:t>
+              <a:t>Week #3</a:t>
             </a:r>
           </a:p>
         </p:txBody>
